--- a/Flow Email Image Analytics/Flow Image Analytics.pptx
+++ b/Flow Email Image Analytics/Flow Image Analytics.pptx
@@ -5,13 +5,14 @@
     <p:sldMasterId id="2147483648" r:id="rId1"/>
   </p:sldMasterIdLst>
   <p:notesMasterIdLst>
-    <p:notesMasterId r:id="rId6"/>
+    <p:notesMasterId r:id="rId7"/>
   </p:notesMasterIdLst>
   <p:sldIdLst>
     <p:sldId id="266" r:id="rId2"/>
     <p:sldId id="258" r:id="rId3"/>
-    <p:sldId id="270" r:id="rId4"/>
-    <p:sldId id="269" r:id="rId5"/>
+    <p:sldId id="271" r:id="rId4"/>
+    <p:sldId id="270" r:id="rId5"/>
+    <p:sldId id="269" r:id="rId6"/>
   </p:sldIdLst>
   <p:sldSz cx="12192000" cy="6858000"/>
   <p:notesSz cx="6858000" cy="9144000"/>
@@ -128,172 +129,6 @@
 
 <file path=ppt/changesInfos/changesInfo1.xml><?xml version="1.0" encoding="utf-8"?>
 <pc:chgInfo xmlns:a="http://schemas.openxmlformats.org/drawingml/2006/main" xmlns:r="http://schemas.openxmlformats.org/officeDocument/2006/relationships" xmlns:ac="http://schemas.microsoft.com/office/drawing/2013/main/command" xmlns:pc="http://schemas.microsoft.com/office/powerpoint/2013/main/command">
-  <pc:docChgLst>
-    <pc:chgData name="Ben Watt" userId="7fa9f06a-a546-48ff-af4f-bb3212c14f8c" providerId="ADAL" clId="{03CADE46-5060-41A5-BFBF-9DA8D9B2C9CA}"/>
-    <pc:docChg chg="undo custSel addSld delSld modSld sldOrd">
-      <pc:chgData name="Ben Watt" userId="7fa9f06a-a546-48ff-af4f-bb3212c14f8c" providerId="ADAL" clId="{03CADE46-5060-41A5-BFBF-9DA8D9B2C9CA}" dt="2019-08-29T14:45:27.408" v="4239" actId="1076"/>
-      <pc:docMkLst>
-        <pc:docMk/>
-      </pc:docMkLst>
-      <pc:sldChg chg="modSp">
-        <pc:chgData name="Ben Watt" userId="7fa9f06a-a546-48ff-af4f-bb3212c14f8c" providerId="ADAL" clId="{03CADE46-5060-41A5-BFBF-9DA8D9B2C9CA}" dt="2019-08-28T19:45:13.861" v="3419" actId="207"/>
-        <pc:sldMkLst>
-          <pc:docMk/>
-          <pc:sldMk cId="1279785848" sldId="258"/>
-        </pc:sldMkLst>
-        <pc:spChg chg="mod">
-          <ac:chgData name="Ben Watt" userId="7fa9f06a-a546-48ff-af4f-bb3212c14f8c" providerId="ADAL" clId="{03CADE46-5060-41A5-BFBF-9DA8D9B2C9CA}" dt="2019-08-28T19:45:13.861" v="3419" actId="207"/>
-          <ac:spMkLst>
-            <pc:docMk/>
-            <pc:sldMk cId="1279785848" sldId="258"/>
-            <ac:spMk id="7" creationId="{B97D1A6E-53C8-4AE6-A4B7-0350169C9099}"/>
-          </ac:spMkLst>
-        </pc:spChg>
-        <pc:spChg chg="mod">
-          <ac:chgData name="Ben Watt" userId="7fa9f06a-a546-48ff-af4f-bb3212c14f8c" providerId="ADAL" clId="{03CADE46-5060-41A5-BFBF-9DA8D9B2C9CA}" dt="2019-08-27T11:25:47.695" v="738" actId="2711"/>
-          <ac:spMkLst>
-            <pc:docMk/>
-            <pc:sldMk cId="1279785848" sldId="258"/>
-            <ac:spMk id="12" creationId="{FD6E01D6-E38B-4847-86EF-F3784D628AFE}"/>
-          </ac:spMkLst>
-        </pc:spChg>
-        <pc:spChg chg="mod">
-          <ac:chgData name="Ben Watt" userId="7fa9f06a-a546-48ff-af4f-bb3212c14f8c" providerId="ADAL" clId="{03CADE46-5060-41A5-BFBF-9DA8D9B2C9CA}" dt="2019-08-27T11:25:51.522" v="739" actId="2711"/>
-          <ac:spMkLst>
-            <pc:docMk/>
-            <pc:sldMk cId="1279785848" sldId="258"/>
-            <ac:spMk id="13" creationId="{E6661F82-C9F5-4CB7-8BA2-42848215B506}"/>
-          </ac:spMkLst>
-        </pc:spChg>
-        <pc:spChg chg="mod">
-          <ac:chgData name="Ben Watt" userId="7fa9f06a-a546-48ff-af4f-bb3212c14f8c" providerId="ADAL" clId="{03CADE46-5060-41A5-BFBF-9DA8D9B2C9CA}" dt="2019-08-27T11:25:55.052" v="740" actId="2711"/>
-          <ac:spMkLst>
-            <pc:docMk/>
-            <pc:sldMk cId="1279785848" sldId="258"/>
-            <ac:spMk id="14" creationId="{49D80FA6-30AD-48F2-9B2F-AF3FF6054A68}"/>
-          </ac:spMkLst>
-        </pc:spChg>
-      </pc:sldChg>
-      <pc:sldChg chg="addSp delSp modSp">
-        <pc:chgData name="Ben Watt" userId="7fa9f06a-a546-48ff-af4f-bb3212c14f8c" providerId="ADAL" clId="{03CADE46-5060-41A5-BFBF-9DA8D9B2C9CA}" dt="2019-08-29T13:22:39.620" v="3642" actId="20577"/>
-        <pc:sldMkLst>
-          <pc:docMk/>
-          <pc:sldMk cId="3152412150" sldId="266"/>
-        </pc:sldMkLst>
-        <pc:spChg chg="mod">
-          <ac:chgData name="Ben Watt" userId="7fa9f06a-a546-48ff-af4f-bb3212c14f8c" providerId="ADAL" clId="{03CADE46-5060-41A5-BFBF-9DA8D9B2C9CA}" dt="2019-08-26T15:43:36.218" v="100" actId="20577"/>
-          <ac:spMkLst>
-            <pc:docMk/>
-            <pc:sldMk cId="3152412150" sldId="266"/>
-            <ac:spMk id="2" creationId="{04996413-E52C-4AE0-AD87-50F958A08142}"/>
-          </ac:spMkLst>
-        </pc:spChg>
-        <pc:spChg chg="del">
-          <ac:chgData name="Ben Watt" userId="7fa9f06a-a546-48ff-af4f-bb3212c14f8c" providerId="ADAL" clId="{03CADE46-5060-41A5-BFBF-9DA8D9B2C9CA}" dt="2019-08-26T15:41:11.677" v="7" actId="478"/>
-          <ac:spMkLst>
-            <pc:docMk/>
-            <pc:sldMk cId="3152412150" sldId="266"/>
-            <ac:spMk id="3" creationId="{292193F3-4629-4DA7-B2A6-9FD64AFAF438}"/>
-          </ac:spMkLst>
-        </pc:spChg>
-        <pc:spChg chg="add mod ord">
-          <ac:chgData name="Ben Watt" userId="7fa9f06a-a546-48ff-af4f-bb3212c14f8c" providerId="ADAL" clId="{03CADE46-5060-41A5-BFBF-9DA8D9B2C9CA}" dt="2019-08-27T11:27:39.082" v="823" actId="208"/>
-          <ac:spMkLst>
-            <pc:docMk/>
-            <pc:sldMk cId="3152412150" sldId="266"/>
-            <ac:spMk id="3" creationId="{707EED58-5EE2-4036-80D2-641EA2F46B58}"/>
-          </ac:spMkLst>
-        </pc:spChg>
-        <pc:spChg chg="mod">
-          <ac:chgData name="Ben Watt" userId="7fa9f06a-a546-48ff-af4f-bb3212c14f8c" providerId="ADAL" clId="{03CADE46-5060-41A5-BFBF-9DA8D9B2C9CA}" dt="2019-08-27T11:27:12.223" v="817" actId="2711"/>
-          <ac:spMkLst>
-            <pc:docMk/>
-            <pc:sldMk cId="3152412150" sldId="266"/>
-            <ac:spMk id="9" creationId="{DAF88DEE-728B-4E78-A171-3B2211213799}"/>
-          </ac:spMkLst>
-        </pc:spChg>
-        <pc:spChg chg="mod">
-          <ac:chgData name="Ben Watt" userId="7fa9f06a-a546-48ff-af4f-bb3212c14f8c" providerId="ADAL" clId="{03CADE46-5060-41A5-BFBF-9DA8D9B2C9CA}" dt="2019-08-29T13:22:39.620" v="3642" actId="20577"/>
-          <ac:spMkLst>
-            <pc:docMk/>
-            <pc:sldMk cId="3152412150" sldId="266"/>
-            <ac:spMk id="18" creationId="{D2AD9742-7C8F-4D34-B749-2908883A896F}"/>
-          </ac:spMkLst>
-        </pc:spChg>
-        <pc:spChg chg="mod">
-          <ac:chgData name="Ben Watt" userId="7fa9f06a-a546-48ff-af4f-bb3212c14f8c" providerId="ADAL" clId="{03CADE46-5060-41A5-BFBF-9DA8D9B2C9CA}" dt="2019-08-27T11:27:53.932" v="826" actId="1076"/>
-          <ac:spMkLst>
-            <pc:docMk/>
-            <pc:sldMk cId="3152412150" sldId="266"/>
-            <ac:spMk id="20" creationId="{B06E7C3E-3D4B-4D23-8968-4846A8306F5D}"/>
-          </ac:spMkLst>
-        </pc:spChg>
-        <pc:picChg chg="del">
-          <ac:chgData name="Ben Watt" userId="7fa9f06a-a546-48ff-af4f-bb3212c14f8c" providerId="ADAL" clId="{03CADE46-5060-41A5-BFBF-9DA8D9B2C9CA}" dt="2019-08-26T15:41:11.677" v="7" actId="478"/>
-          <ac:picMkLst>
-            <pc:docMk/>
-            <pc:sldMk cId="3152412150" sldId="266"/>
-            <ac:picMk id="7" creationId="{22AA3066-F0DB-4399-9B15-37A9220235D7}"/>
-          </ac:picMkLst>
-        </pc:picChg>
-        <pc:picChg chg="del">
-          <ac:chgData name="Ben Watt" userId="7fa9f06a-a546-48ff-af4f-bb3212c14f8c" providerId="ADAL" clId="{03CADE46-5060-41A5-BFBF-9DA8D9B2C9CA}" dt="2019-08-26T15:41:11.677" v="7" actId="478"/>
-          <ac:picMkLst>
-            <pc:docMk/>
-            <pc:sldMk cId="3152412150" sldId="266"/>
-            <ac:picMk id="8" creationId="{979DD084-30E4-4500-887A-E3F1AB4E8400}"/>
-          </ac:picMkLst>
-        </pc:picChg>
-        <pc:cxnChg chg="del mod">
-          <ac:chgData name="Ben Watt" userId="7fa9f06a-a546-48ff-af4f-bb3212c14f8c" providerId="ADAL" clId="{03CADE46-5060-41A5-BFBF-9DA8D9B2C9CA}" dt="2019-08-26T15:41:11.677" v="7" actId="478"/>
-          <ac:cxnSpMkLst>
-            <pc:docMk/>
-            <pc:sldMk cId="3152412150" sldId="266"/>
-            <ac:cxnSpMk id="13" creationId="{8103A9C0-712A-443F-B03C-1DD83C63F3ED}"/>
-          </ac:cxnSpMkLst>
-        </pc:cxnChg>
-        <pc:cxnChg chg="del mod">
-          <ac:chgData name="Ben Watt" userId="7fa9f06a-a546-48ff-af4f-bb3212c14f8c" providerId="ADAL" clId="{03CADE46-5060-41A5-BFBF-9DA8D9B2C9CA}" dt="2019-08-26T15:41:11.677" v="7" actId="478"/>
-          <ac:cxnSpMkLst>
-            <pc:docMk/>
-            <pc:sldMk cId="3152412150" sldId="266"/>
-            <ac:cxnSpMk id="15" creationId="{E9E00CEF-2059-4A26-9113-E85BA58E99BC}"/>
-          </ac:cxnSpMkLst>
-        </pc:cxnChg>
-      </pc:sldChg>
-      <pc:sldChg chg="modSp">
-        <pc:chgData name="Ben Watt" userId="7fa9f06a-a546-48ff-af4f-bb3212c14f8c" providerId="ADAL" clId="{03CADE46-5060-41A5-BFBF-9DA8D9B2C9CA}" dt="2019-08-29T14:45:27.408" v="4239" actId="1076"/>
-        <pc:sldMkLst>
-          <pc:docMk/>
-          <pc:sldMk cId="3997213680" sldId="269"/>
-        </pc:sldMkLst>
-        <pc:spChg chg="mod">
-          <ac:chgData name="Ben Watt" userId="7fa9f06a-a546-48ff-af4f-bb3212c14f8c" providerId="ADAL" clId="{03CADE46-5060-41A5-BFBF-9DA8D9B2C9CA}" dt="2019-08-29T14:45:12.785" v="4237" actId="400"/>
-          <ac:spMkLst>
-            <pc:docMk/>
-            <pc:sldMk cId="3997213680" sldId="269"/>
-            <ac:spMk id="3" creationId="{ADD7E11B-41BB-4943-8082-70F81251DEE0}"/>
-          </ac:spMkLst>
-        </pc:spChg>
-        <pc:spChg chg="mod">
-          <ac:chgData name="Ben Watt" userId="7fa9f06a-a546-48ff-af4f-bb3212c14f8c" providerId="ADAL" clId="{03CADE46-5060-41A5-BFBF-9DA8D9B2C9CA}" dt="2019-08-29T14:45:17.784" v="4238" actId="207"/>
-          <ac:spMkLst>
-            <pc:docMk/>
-            <pc:sldMk cId="3997213680" sldId="269"/>
-            <ac:spMk id="13" creationId="{B2910AD2-9AB7-4F84-85F9-0FA5462C1594}"/>
-          </ac:spMkLst>
-        </pc:spChg>
-        <pc:picChg chg="mod">
-          <ac:chgData name="Ben Watt" userId="7fa9f06a-a546-48ff-af4f-bb3212c14f8c" providerId="ADAL" clId="{03CADE46-5060-41A5-BFBF-9DA8D9B2C9CA}" dt="2019-08-29T14:45:27.408" v="4239" actId="1076"/>
-          <ac:picMkLst>
-            <pc:docMk/>
-            <pc:sldMk cId="3997213680" sldId="269"/>
-            <ac:picMk id="14" creationId="{81D3C4BA-0FCA-499E-8324-A65E2289A97B}"/>
-          </ac:picMkLst>
-        </pc:picChg>
-      </pc:sldChg>
-    </pc:docChg>
-  </pc:docChgLst>
   <pc:docChgLst>
     <pc:chgData name="Ben Watt" userId="7fa9f06a-a546-48ff-af4f-bb3212c14f8c" providerId="ADAL" clId="{B8494C90-5A38-4614-92AB-A14028668DC7}"/>
     <pc:docChg chg="undo custSel addSld delSld modSld">
@@ -949,6 +784,172 @@
     </pc:docChg>
   </pc:docChgLst>
   <pc:docChgLst>
+    <pc:chgData name="Ben Watt" userId="7fa9f06a-a546-48ff-af4f-bb3212c14f8c" providerId="ADAL" clId="{03CADE46-5060-41A5-BFBF-9DA8D9B2C9CA}"/>
+    <pc:docChg chg="undo custSel addSld delSld modSld sldOrd">
+      <pc:chgData name="Ben Watt" userId="7fa9f06a-a546-48ff-af4f-bb3212c14f8c" providerId="ADAL" clId="{03CADE46-5060-41A5-BFBF-9DA8D9B2C9CA}" dt="2019-08-29T14:45:27.408" v="4239" actId="1076"/>
+      <pc:docMkLst>
+        <pc:docMk/>
+      </pc:docMkLst>
+      <pc:sldChg chg="modSp">
+        <pc:chgData name="Ben Watt" userId="7fa9f06a-a546-48ff-af4f-bb3212c14f8c" providerId="ADAL" clId="{03CADE46-5060-41A5-BFBF-9DA8D9B2C9CA}" dt="2019-08-28T19:45:13.861" v="3419" actId="207"/>
+        <pc:sldMkLst>
+          <pc:docMk/>
+          <pc:sldMk cId="1279785848" sldId="258"/>
+        </pc:sldMkLst>
+        <pc:spChg chg="mod">
+          <ac:chgData name="Ben Watt" userId="7fa9f06a-a546-48ff-af4f-bb3212c14f8c" providerId="ADAL" clId="{03CADE46-5060-41A5-BFBF-9DA8D9B2C9CA}" dt="2019-08-28T19:45:13.861" v="3419" actId="207"/>
+          <ac:spMkLst>
+            <pc:docMk/>
+            <pc:sldMk cId="1279785848" sldId="258"/>
+            <ac:spMk id="7" creationId="{B97D1A6E-53C8-4AE6-A4B7-0350169C9099}"/>
+          </ac:spMkLst>
+        </pc:spChg>
+        <pc:spChg chg="mod">
+          <ac:chgData name="Ben Watt" userId="7fa9f06a-a546-48ff-af4f-bb3212c14f8c" providerId="ADAL" clId="{03CADE46-5060-41A5-BFBF-9DA8D9B2C9CA}" dt="2019-08-27T11:25:47.695" v="738" actId="2711"/>
+          <ac:spMkLst>
+            <pc:docMk/>
+            <pc:sldMk cId="1279785848" sldId="258"/>
+            <ac:spMk id="12" creationId="{FD6E01D6-E38B-4847-86EF-F3784D628AFE}"/>
+          </ac:spMkLst>
+        </pc:spChg>
+        <pc:spChg chg="mod">
+          <ac:chgData name="Ben Watt" userId="7fa9f06a-a546-48ff-af4f-bb3212c14f8c" providerId="ADAL" clId="{03CADE46-5060-41A5-BFBF-9DA8D9B2C9CA}" dt="2019-08-27T11:25:51.522" v="739" actId="2711"/>
+          <ac:spMkLst>
+            <pc:docMk/>
+            <pc:sldMk cId="1279785848" sldId="258"/>
+            <ac:spMk id="13" creationId="{E6661F82-C9F5-4CB7-8BA2-42848215B506}"/>
+          </ac:spMkLst>
+        </pc:spChg>
+        <pc:spChg chg="mod">
+          <ac:chgData name="Ben Watt" userId="7fa9f06a-a546-48ff-af4f-bb3212c14f8c" providerId="ADAL" clId="{03CADE46-5060-41A5-BFBF-9DA8D9B2C9CA}" dt="2019-08-27T11:25:55.052" v="740" actId="2711"/>
+          <ac:spMkLst>
+            <pc:docMk/>
+            <pc:sldMk cId="1279785848" sldId="258"/>
+            <ac:spMk id="14" creationId="{49D80FA6-30AD-48F2-9B2F-AF3FF6054A68}"/>
+          </ac:spMkLst>
+        </pc:spChg>
+      </pc:sldChg>
+      <pc:sldChg chg="addSp delSp modSp">
+        <pc:chgData name="Ben Watt" userId="7fa9f06a-a546-48ff-af4f-bb3212c14f8c" providerId="ADAL" clId="{03CADE46-5060-41A5-BFBF-9DA8D9B2C9CA}" dt="2019-08-29T13:22:39.620" v="3642" actId="20577"/>
+        <pc:sldMkLst>
+          <pc:docMk/>
+          <pc:sldMk cId="3152412150" sldId="266"/>
+        </pc:sldMkLst>
+        <pc:spChg chg="mod">
+          <ac:chgData name="Ben Watt" userId="7fa9f06a-a546-48ff-af4f-bb3212c14f8c" providerId="ADAL" clId="{03CADE46-5060-41A5-BFBF-9DA8D9B2C9CA}" dt="2019-08-26T15:43:36.218" v="100" actId="20577"/>
+          <ac:spMkLst>
+            <pc:docMk/>
+            <pc:sldMk cId="3152412150" sldId="266"/>
+            <ac:spMk id="2" creationId="{04996413-E52C-4AE0-AD87-50F958A08142}"/>
+          </ac:spMkLst>
+        </pc:spChg>
+        <pc:spChg chg="del">
+          <ac:chgData name="Ben Watt" userId="7fa9f06a-a546-48ff-af4f-bb3212c14f8c" providerId="ADAL" clId="{03CADE46-5060-41A5-BFBF-9DA8D9B2C9CA}" dt="2019-08-26T15:41:11.677" v="7" actId="478"/>
+          <ac:spMkLst>
+            <pc:docMk/>
+            <pc:sldMk cId="3152412150" sldId="266"/>
+            <ac:spMk id="3" creationId="{292193F3-4629-4DA7-B2A6-9FD64AFAF438}"/>
+          </ac:spMkLst>
+        </pc:spChg>
+        <pc:spChg chg="add mod ord">
+          <ac:chgData name="Ben Watt" userId="7fa9f06a-a546-48ff-af4f-bb3212c14f8c" providerId="ADAL" clId="{03CADE46-5060-41A5-BFBF-9DA8D9B2C9CA}" dt="2019-08-27T11:27:39.082" v="823" actId="208"/>
+          <ac:spMkLst>
+            <pc:docMk/>
+            <pc:sldMk cId="3152412150" sldId="266"/>
+            <ac:spMk id="3" creationId="{707EED58-5EE2-4036-80D2-641EA2F46B58}"/>
+          </ac:spMkLst>
+        </pc:spChg>
+        <pc:spChg chg="mod">
+          <ac:chgData name="Ben Watt" userId="7fa9f06a-a546-48ff-af4f-bb3212c14f8c" providerId="ADAL" clId="{03CADE46-5060-41A5-BFBF-9DA8D9B2C9CA}" dt="2019-08-27T11:27:12.223" v="817" actId="2711"/>
+          <ac:spMkLst>
+            <pc:docMk/>
+            <pc:sldMk cId="3152412150" sldId="266"/>
+            <ac:spMk id="9" creationId="{DAF88DEE-728B-4E78-A171-3B2211213799}"/>
+          </ac:spMkLst>
+        </pc:spChg>
+        <pc:spChg chg="mod">
+          <ac:chgData name="Ben Watt" userId="7fa9f06a-a546-48ff-af4f-bb3212c14f8c" providerId="ADAL" clId="{03CADE46-5060-41A5-BFBF-9DA8D9B2C9CA}" dt="2019-08-29T13:22:39.620" v="3642" actId="20577"/>
+          <ac:spMkLst>
+            <pc:docMk/>
+            <pc:sldMk cId="3152412150" sldId="266"/>
+            <ac:spMk id="18" creationId="{D2AD9742-7C8F-4D34-B749-2908883A896F}"/>
+          </ac:spMkLst>
+        </pc:spChg>
+        <pc:spChg chg="mod">
+          <ac:chgData name="Ben Watt" userId="7fa9f06a-a546-48ff-af4f-bb3212c14f8c" providerId="ADAL" clId="{03CADE46-5060-41A5-BFBF-9DA8D9B2C9CA}" dt="2019-08-27T11:27:53.932" v="826" actId="1076"/>
+          <ac:spMkLst>
+            <pc:docMk/>
+            <pc:sldMk cId="3152412150" sldId="266"/>
+            <ac:spMk id="20" creationId="{B06E7C3E-3D4B-4D23-8968-4846A8306F5D}"/>
+          </ac:spMkLst>
+        </pc:spChg>
+        <pc:picChg chg="del">
+          <ac:chgData name="Ben Watt" userId="7fa9f06a-a546-48ff-af4f-bb3212c14f8c" providerId="ADAL" clId="{03CADE46-5060-41A5-BFBF-9DA8D9B2C9CA}" dt="2019-08-26T15:41:11.677" v="7" actId="478"/>
+          <ac:picMkLst>
+            <pc:docMk/>
+            <pc:sldMk cId="3152412150" sldId="266"/>
+            <ac:picMk id="7" creationId="{22AA3066-F0DB-4399-9B15-37A9220235D7}"/>
+          </ac:picMkLst>
+        </pc:picChg>
+        <pc:picChg chg="del">
+          <ac:chgData name="Ben Watt" userId="7fa9f06a-a546-48ff-af4f-bb3212c14f8c" providerId="ADAL" clId="{03CADE46-5060-41A5-BFBF-9DA8D9B2C9CA}" dt="2019-08-26T15:41:11.677" v="7" actId="478"/>
+          <ac:picMkLst>
+            <pc:docMk/>
+            <pc:sldMk cId="3152412150" sldId="266"/>
+            <ac:picMk id="8" creationId="{979DD084-30E4-4500-887A-E3F1AB4E8400}"/>
+          </ac:picMkLst>
+        </pc:picChg>
+        <pc:cxnChg chg="del mod">
+          <ac:chgData name="Ben Watt" userId="7fa9f06a-a546-48ff-af4f-bb3212c14f8c" providerId="ADAL" clId="{03CADE46-5060-41A5-BFBF-9DA8D9B2C9CA}" dt="2019-08-26T15:41:11.677" v="7" actId="478"/>
+          <ac:cxnSpMkLst>
+            <pc:docMk/>
+            <pc:sldMk cId="3152412150" sldId="266"/>
+            <ac:cxnSpMk id="13" creationId="{8103A9C0-712A-443F-B03C-1DD83C63F3ED}"/>
+          </ac:cxnSpMkLst>
+        </pc:cxnChg>
+        <pc:cxnChg chg="del mod">
+          <ac:chgData name="Ben Watt" userId="7fa9f06a-a546-48ff-af4f-bb3212c14f8c" providerId="ADAL" clId="{03CADE46-5060-41A5-BFBF-9DA8D9B2C9CA}" dt="2019-08-26T15:41:11.677" v="7" actId="478"/>
+          <ac:cxnSpMkLst>
+            <pc:docMk/>
+            <pc:sldMk cId="3152412150" sldId="266"/>
+            <ac:cxnSpMk id="15" creationId="{E9E00CEF-2059-4A26-9113-E85BA58E99BC}"/>
+          </ac:cxnSpMkLst>
+        </pc:cxnChg>
+      </pc:sldChg>
+      <pc:sldChg chg="modSp">
+        <pc:chgData name="Ben Watt" userId="7fa9f06a-a546-48ff-af4f-bb3212c14f8c" providerId="ADAL" clId="{03CADE46-5060-41A5-BFBF-9DA8D9B2C9CA}" dt="2019-08-29T14:45:27.408" v="4239" actId="1076"/>
+        <pc:sldMkLst>
+          <pc:docMk/>
+          <pc:sldMk cId="3997213680" sldId="269"/>
+        </pc:sldMkLst>
+        <pc:spChg chg="mod">
+          <ac:chgData name="Ben Watt" userId="7fa9f06a-a546-48ff-af4f-bb3212c14f8c" providerId="ADAL" clId="{03CADE46-5060-41A5-BFBF-9DA8D9B2C9CA}" dt="2019-08-29T14:45:12.785" v="4237" actId="400"/>
+          <ac:spMkLst>
+            <pc:docMk/>
+            <pc:sldMk cId="3997213680" sldId="269"/>
+            <ac:spMk id="3" creationId="{ADD7E11B-41BB-4943-8082-70F81251DEE0}"/>
+          </ac:spMkLst>
+        </pc:spChg>
+        <pc:spChg chg="mod">
+          <ac:chgData name="Ben Watt" userId="7fa9f06a-a546-48ff-af4f-bb3212c14f8c" providerId="ADAL" clId="{03CADE46-5060-41A5-BFBF-9DA8D9B2C9CA}" dt="2019-08-29T14:45:17.784" v="4238" actId="207"/>
+          <ac:spMkLst>
+            <pc:docMk/>
+            <pc:sldMk cId="3997213680" sldId="269"/>
+            <ac:spMk id="13" creationId="{B2910AD2-9AB7-4F84-85F9-0FA5462C1594}"/>
+          </ac:spMkLst>
+        </pc:spChg>
+        <pc:picChg chg="mod">
+          <ac:chgData name="Ben Watt" userId="7fa9f06a-a546-48ff-af4f-bb3212c14f8c" providerId="ADAL" clId="{03CADE46-5060-41A5-BFBF-9DA8D9B2C9CA}" dt="2019-08-29T14:45:27.408" v="4239" actId="1076"/>
+          <ac:picMkLst>
+            <pc:docMk/>
+            <pc:sldMk cId="3997213680" sldId="269"/>
+            <ac:picMk id="14" creationId="{81D3C4BA-0FCA-499E-8324-A65E2289A97B}"/>
+          </ac:picMkLst>
+        </pc:picChg>
+      </pc:sldChg>
+    </pc:docChg>
+  </pc:docChgLst>
+  <pc:docChgLst>
     <pc:chgData name="Ben Watt" userId="7fa9f06a-a546-48ff-af4f-bb3212c14f8c" providerId="ADAL" clId="{AE5B3BC2-F4B2-477C-AB5E-E04B6BCD6E80}"/>
   </pc:docChgLst>
   <pc:docChgLst>
@@ -1039,7 +1040,7 @@
           <a:p>
             <a:fld id="{CBDEC4AF-5EC3-4332-B5BE-A74D3F82A558}" type="datetimeFigureOut">
               <a:rPr lang="en-IE" smtClean="0"/>
-              <a:t>23/10/2019</a:t>
+              <a:t>30/10/2019</a:t>
             </a:fld>
             <a:endParaRPr lang="en-IE"/>
           </a:p>
@@ -1456,7 +1457,7 @@
           <a:p>
             <a:fld id="{051F97A3-C435-481F-BB0A-06AF71E78BCB}" type="datetimeFigureOut">
               <a:rPr lang="en-IE" smtClean="0"/>
-              <a:t>23/10/2019</a:t>
+              <a:t>30/10/2019</a:t>
             </a:fld>
             <a:endParaRPr lang="en-IE"/>
           </a:p>
@@ -1656,7 +1657,7 @@
           <a:p>
             <a:fld id="{051F97A3-C435-481F-BB0A-06AF71E78BCB}" type="datetimeFigureOut">
               <a:rPr lang="en-IE" smtClean="0"/>
-              <a:t>23/10/2019</a:t>
+              <a:t>30/10/2019</a:t>
             </a:fld>
             <a:endParaRPr lang="en-IE"/>
           </a:p>
@@ -1866,7 +1867,7 @@
           <a:p>
             <a:fld id="{051F97A3-C435-481F-BB0A-06AF71E78BCB}" type="datetimeFigureOut">
               <a:rPr lang="en-IE" smtClean="0"/>
-              <a:t>23/10/2019</a:t>
+              <a:t>30/10/2019</a:t>
             </a:fld>
             <a:endParaRPr lang="en-IE"/>
           </a:p>
@@ -2066,7 +2067,7 @@
           <a:p>
             <a:fld id="{051F97A3-C435-481F-BB0A-06AF71E78BCB}" type="datetimeFigureOut">
               <a:rPr lang="en-IE" smtClean="0"/>
-              <a:t>23/10/2019</a:t>
+              <a:t>30/10/2019</a:t>
             </a:fld>
             <a:endParaRPr lang="en-IE"/>
           </a:p>
@@ -2342,7 +2343,7 @@
           <a:p>
             <a:fld id="{051F97A3-C435-481F-BB0A-06AF71E78BCB}" type="datetimeFigureOut">
               <a:rPr lang="en-IE" smtClean="0"/>
-              <a:t>23/10/2019</a:t>
+              <a:t>30/10/2019</a:t>
             </a:fld>
             <a:endParaRPr lang="en-IE"/>
           </a:p>
@@ -2610,7 +2611,7 @@
           <a:p>
             <a:fld id="{051F97A3-C435-481F-BB0A-06AF71E78BCB}" type="datetimeFigureOut">
               <a:rPr lang="en-IE" smtClean="0"/>
-              <a:t>23/10/2019</a:t>
+              <a:t>30/10/2019</a:t>
             </a:fld>
             <a:endParaRPr lang="en-IE"/>
           </a:p>
@@ -3025,7 +3026,7 @@
           <a:p>
             <a:fld id="{051F97A3-C435-481F-BB0A-06AF71E78BCB}" type="datetimeFigureOut">
               <a:rPr lang="en-IE" smtClean="0"/>
-              <a:t>23/10/2019</a:t>
+              <a:t>30/10/2019</a:t>
             </a:fld>
             <a:endParaRPr lang="en-IE"/>
           </a:p>
@@ -3167,7 +3168,7 @@
           <a:p>
             <a:fld id="{051F97A3-C435-481F-BB0A-06AF71E78BCB}" type="datetimeFigureOut">
               <a:rPr lang="en-IE" smtClean="0"/>
-              <a:t>23/10/2019</a:t>
+              <a:t>30/10/2019</a:t>
             </a:fld>
             <a:endParaRPr lang="en-IE"/>
           </a:p>
@@ -3280,7 +3281,7 @@
           <a:p>
             <a:fld id="{051F97A3-C435-481F-BB0A-06AF71E78BCB}" type="datetimeFigureOut">
               <a:rPr lang="en-IE" smtClean="0"/>
-              <a:t>23/10/2019</a:t>
+              <a:t>30/10/2019</a:t>
             </a:fld>
             <a:endParaRPr lang="en-IE"/>
           </a:p>
@@ -3593,7 +3594,7 @@
           <a:p>
             <a:fld id="{051F97A3-C435-481F-BB0A-06AF71E78BCB}" type="datetimeFigureOut">
               <a:rPr lang="en-IE" smtClean="0"/>
-              <a:t>23/10/2019</a:t>
+              <a:t>30/10/2019</a:t>
             </a:fld>
             <a:endParaRPr lang="en-IE"/>
           </a:p>
@@ -3882,7 +3883,7 @@
           <a:p>
             <a:fld id="{051F97A3-C435-481F-BB0A-06AF71E78BCB}" type="datetimeFigureOut">
               <a:rPr lang="en-IE" smtClean="0"/>
-              <a:t>23/10/2019</a:t>
+              <a:t>30/10/2019</a:t>
             </a:fld>
             <a:endParaRPr lang="en-IE"/>
           </a:p>
@@ -4125,7 +4126,7 @@
           <a:p>
             <a:fld id="{051F97A3-C435-481F-BB0A-06AF71E78BCB}" type="datetimeFigureOut">
               <a:rPr lang="en-IE" smtClean="0"/>
-              <a:t>23/10/2019</a:t>
+              <a:t>30/10/2019</a:t>
             </a:fld>
             <a:endParaRPr lang="en-IE"/>
           </a:p>
@@ -4709,7 +4710,7 @@
         <p:spPr>
           <a:xfrm>
             <a:off x="533400" y="3255428"/>
-            <a:ext cx="6983136" cy="1938992"/>
+            <a:ext cx="6983136" cy="1015663"/>
           </a:xfrm>
           <a:prstGeom prst="rect">
             <a:avLst/>
@@ -4736,7 +4737,7 @@
                 <a:latin typeface="Segoe UI" panose="020B0502040204020203" pitchFamily="34" charset="0"/>
                 <a:cs typeface="Segoe UI" panose="020B0502040204020203" pitchFamily="34" charset="0"/>
               </a:rPr>
-              <a:t>History lesson: Microsoft BI Enterprise Architecture</a:t>
+              <a:t>Send in your pics for analysis</a:t>
             </a:r>
           </a:p>
           <a:p>
@@ -4754,11 +4755,11 @@
                 <a:latin typeface="Segoe UI" panose="020B0502040204020203" pitchFamily="34" charset="0"/>
                 <a:cs typeface="Segoe UI" panose="020B0502040204020203" pitchFamily="34" charset="0"/>
               </a:rPr>
-              <a:t>Power BI Architecture. Simple.</a:t>
-            </a:r>
-          </a:p>
-          <a:p>
-            <a:pPr marL="742950" lvl="1" indent="-285750">
+              <a:t>The Process</a:t>
+            </a:r>
+          </a:p>
+          <a:p>
+            <a:pPr marL="285750" indent="-285750">
               <a:buFont typeface="Arial" panose="020B0604020202020204" pitchFamily="34" charset="0"/>
               <a:buChar char="•"/>
             </a:pPr>
@@ -4772,61 +4773,7 @@
                 <a:latin typeface="Segoe UI" panose="020B0502040204020203" pitchFamily="34" charset="0"/>
                 <a:cs typeface="Segoe UI" panose="020B0502040204020203" pitchFamily="34" charset="0"/>
               </a:rPr>
-              <a:t>Dataflows</a:t>
-            </a:r>
-          </a:p>
-          <a:p>
-            <a:pPr marL="742950" lvl="1" indent="-285750">
-              <a:buFont typeface="Arial" panose="020B0604020202020204" pitchFamily="34" charset="0"/>
-              <a:buChar char="•"/>
-            </a:pPr>
-            <a:r>
-              <a:rPr lang="en-US" sz="2000" dirty="0">
-                <a:solidFill>
-                  <a:schemeClr val="bg2">
-                    <a:lumMod val="50000"/>
-                  </a:schemeClr>
-                </a:solidFill>
-                <a:latin typeface="Segoe UI" panose="020B0502040204020203" pitchFamily="34" charset="0"/>
-                <a:cs typeface="Segoe UI" panose="020B0502040204020203" pitchFamily="34" charset="0"/>
-              </a:rPr>
-              <a:t>Shared Datasets</a:t>
-            </a:r>
-          </a:p>
-          <a:p>
-            <a:pPr marL="285750" indent="-285750">
-              <a:buFont typeface="Arial" panose="020B0604020202020204" pitchFamily="34" charset="0"/>
-              <a:buChar char="•"/>
-            </a:pPr>
-            <a:r>
-              <a:rPr lang="en-US" sz="2000" dirty="0">
-                <a:solidFill>
-                  <a:schemeClr val="bg2">
-                    <a:lumMod val="50000"/>
-                  </a:schemeClr>
-                </a:solidFill>
-                <a:latin typeface="Segoe UI" panose="020B0502040204020203" pitchFamily="34" charset="0"/>
-                <a:cs typeface="Segoe UI" panose="020B0502040204020203" pitchFamily="34" charset="0"/>
-              </a:rPr>
-              <a:t>Power BI Architecture. Evolved.</a:t>
-            </a:r>
-          </a:p>
-          <a:p>
-            <a:pPr marL="285750" indent="-285750">
-              <a:buFont typeface="Arial" panose="020B0604020202020204" pitchFamily="34" charset="0"/>
-              <a:buChar char="•"/>
-            </a:pPr>
-            <a:r>
-              <a:rPr lang="en-US" sz="2000" dirty="0">
-                <a:solidFill>
-                  <a:schemeClr val="bg2">
-                    <a:lumMod val="50000"/>
-                  </a:schemeClr>
-                </a:solidFill>
-                <a:latin typeface="Segoe UI" panose="020B0502040204020203" pitchFamily="34" charset="0"/>
-                <a:cs typeface="Segoe UI" panose="020B0502040204020203" pitchFamily="34" charset="0"/>
-              </a:rPr>
-              <a:t>Link to slides</a:t>
+              <a:t>Demo the results</a:t>
             </a:r>
           </a:p>
         </p:txBody>
@@ -4846,7 +4793,7 @@
         <p:spPr>
           <a:xfrm>
             <a:off x="713065" y="1050919"/>
-            <a:ext cx="9189440" cy="1084271"/>
+            <a:ext cx="9189440" cy="584775"/>
           </a:xfrm>
           <a:prstGeom prst="rect">
             <a:avLst/>
@@ -4897,7 +4844,7 @@
         <p:spPr>
           <a:xfrm>
             <a:off x="597877" y="905607"/>
-            <a:ext cx="9124963" cy="1077218"/>
+            <a:ext cx="9124963" cy="584775"/>
           </a:xfrm>
           <a:prstGeom prst="rect">
             <a:avLst/>
@@ -4920,7 +4867,7 @@
                 <a:latin typeface="Segoe UI" panose="020B0502040204020203" pitchFamily="34" charset="0"/>
                 <a:cs typeface="Segoe UI" panose="020B0502040204020203" pitchFamily="34" charset="0"/>
               </a:rPr>
-              <a:t>Evolving your Power BI Architecture using Dataflows and Shared Datasets</a:t>
+              <a:t>Flow Image Analytics</a:t>
             </a:r>
             <a:endParaRPr lang="en-IE" sz="4800" dirty="0">
               <a:solidFill>
@@ -5794,6 +5741,524 @@
       </p:grpSpPr>
       <p:sp>
         <p:nvSpPr>
+          <p:cNvPr id="2" name="Title 1">
+            <a:extLst>
+              <a:ext uri="{FF2B5EF4-FFF2-40B4-BE49-F238E27FC236}">
+                <a16:creationId xmlns:a16="http://schemas.microsoft.com/office/drawing/2014/main" id="{04996413-E52C-4AE0-AD87-50F958A08142}"/>
+              </a:ext>
+            </a:extLst>
+          </p:cNvPr>
+          <p:cNvSpPr>
+            <a:spLocks noGrp="1"/>
+          </p:cNvSpPr>
+          <p:nvPr>
+            <p:ph type="title"/>
+          </p:nvPr>
+        </p:nvSpPr>
+        <p:spPr>
+          <a:xfrm>
+            <a:off x="0" y="18255"/>
+            <a:ext cx="12192000" cy="781845"/>
+          </a:xfrm>
+        </p:spPr>
+        <p:txBody>
+          <a:bodyPr>
+            <a:normAutofit/>
+          </a:bodyPr>
+          <a:lstStyle/>
+          <a:p>
+            <a:r>
+              <a:rPr lang="en-IE" sz="3600" b="1" dirty="0">
+                <a:solidFill>
+                  <a:schemeClr val="tx1">
+                    <a:lumMod val="65000"/>
+                    <a:lumOff val="35000"/>
+                  </a:schemeClr>
+                </a:solidFill>
+                <a:latin typeface="Segoe UI" panose="020B0502040204020203" pitchFamily="34" charset="0"/>
+                <a:cs typeface="Segoe UI" panose="020B0502040204020203" pitchFamily="34" charset="0"/>
+              </a:rPr>
+              <a:t>I need you!</a:t>
+            </a:r>
+          </a:p>
+        </p:txBody>
+      </p:sp>
+      <p:sp>
+        <p:nvSpPr>
+          <p:cNvPr id="5" name="Rectangle 4">
+            <a:extLst>
+              <a:ext uri="{FF2B5EF4-FFF2-40B4-BE49-F238E27FC236}">
+                <a16:creationId xmlns:a16="http://schemas.microsoft.com/office/drawing/2014/main" id="{B4A3DC45-946A-4405-B045-3FC0FEE1102A}"/>
+              </a:ext>
+            </a:extLst>
+          </p:cNvPr>
+          <p:cNvSpPr/>
+          <p:nvPr/>
+        </p:nvSpPr>
+        <p:spPr>
+          <a:xfrm>
+            <a:off x="0" y="6435969"/>
+            <a:ext cx="12192000" cy="422031"/>
+          </a:xfrm>
+          <a:prstGeom prst="rect">
+            <a:avLst/>
+          </a:prstGeom>
+          <a:solidFill>
+            <a:srgbClr val="0271AF"/>
+          </a:solidFill>
+          <a:ln>
+            <a:solidFill>
+              <a:srgbClr val="0271AF"/>
+            </a:solidFill>
+          </a:ln>
+        </p:spPr>
+        <p:style>
+          <a:lnRef idx="2">
+            <a:schemeClr val="accent1">
+              <a:shade val="50000"/>
+            </a:schemeClr>
+          </a:lnRef>
+          <a:fillRef idx="1">
+            <a:schemeClr val="accent1"/>
+          </a:fillRef>
+          <a:effectRef idx="0">
+            <a:schemeClr val="accent1"/>
+          </a:effectRef>
+          <a:fontRef idx="minor">
+            <a:schemeClr val="lt1"/>
+          </a:fontRef>
+        </p:style>
+        <p:txBody>
+          <a:bodyPr rtlCol="0" anchor="ctr"/>
+          <a:lstStyle/>
+          <a:p>
+            <a:pPr algn="ctr"/>
+            <a:endParaRPr lang="en-IE"/>
+          </a:p>
+        </p:txBody>
+      </p:sp>
+      <p:sp>
+        <p:nvSpPr>
+          <p:cNvPr id="6" name="Rectangle 5">
+            <a:extLst>
+              <a:ext uri="{FF2B5EF4-FFF2-40B4-BE49-F238E27FC236}">
+                <a16:creationId xmlns:a16="http://schemas.microsoft.com/office/drawing/2014/main" id="{43BA60CC-8488-49F1-B29A-53114FE922FE}"/>
+              </a:ext>
+            </a:extLst>
+          </p:cNvPr>
+          <p:cNvSpPr/>
+          <p:nvPr/>
+        </p:nvSpPr>
+        <p:spPr>
+          <a:xfrm>
+            <a:off x="0" y="6330462"/>
+            <a:ext cx="12192000" cy="105507"/>
+          </a:xfrm>
+          <a:prstGeom prst="rect">
+            <a:avLst/>
+          </a:prstGeom>
+          <a:solidFill>
+            <a:srgbClr val="ED9800"/>
+          </a:solidFill>
+          <a:ln>
+            <a:solidFill>
+              <a:srgbClr val="ED9800"/>
+            </a:solidFill>
+          </a:ln>
+        </p:spPr>
+        <p:style>
+          <a:lnRef idx="2">
+            <a:schemeClr val="accent1">
+              <a:shade val="50000"/>
+            </a:schemeClr>
+          </a:lnRef>
+          <a:fillRef idx="1">
+            <a:schemeClr val="accent1"/>
+          </a:fillRef>
+          <a:effectRef idx="0">
+            <a:schemeClr val="accent1"/>
+          </a:effectRef>
+          <a:fontRef idx="minor">
+            <a:schemeClr val="lt1"/>
+          </a:fontRef>
+        </p:style>
+        <p:txBody>
+          <a:bodyPr rtlCol="0" anchor="ctr"/>
+          <a:lstStyle/>
+          <a:p>
+            <a:pPr algn="ctr"/>
+            <a:endParaRPr lang="en-IE"/>
+          </a:p>
+        </p:txBody>
+      </p:sp>
+      <p:pic>
+        <p:nvPicPr>
+          <p:cNvPr id="16" name="Picture 15" descr="A drawing of a face&#10;&#10;Description automatically generated">
+            <a:extLst>
+              <a:ext uri="{FF2B5EF4-FFF2-40B4-BE49-F238E27FC236}">
+                <a16:creationId xmlns:a16="http://schemas.microsoft.com/office/drawing/2014/main" id="{935C8713-18DC-41DE-849F-AEB31D03BA06}"/>
+              </a:ext>
+            </a:extLst>
+          </p:cNvPr>
+          <p:cNvPicPr>
+            <a:picLocks noChangeAspect="1"/>
+          </p:cNvPicPr>
+          <p:nvPr/>
+        </p:nvPicPr>
+        <p:blipFill>
+          <a:blip r:embed="rId2">
+            <a:extLst>
+              <a:ext uri="{28A0092B-C50C-407E-A947-70E740481C1C}">
+                <a14:useLocalDpi xmlns:a14="http://schemas.microsoft.com/office/drawing/2010/main" val="0"/>
+              </a:ext>
+            </a:extLst>
+          </a:blip>
+          <a:stretch>
+            <a:fillRect/>
+          </a:stretch>
+        </p:blipFill>
+        <p:spPr>
+          <a:xfrm>
+            <a:off x="10946020" y="103787"/>
+            <a:ext cx="1166446" cy="336869"/>
+          </a:xfrm>
+          <a:prstGeom prst="rect">
+            <a:avLst/>
+          </a:prstGeom>
+        </p:spPr>
+      </p:pic>
+      <p:sp>
+        <p:nvSpPr>
+          <p:cNvPr id="3" name="TextBox 2">
+            <a:extLst>
+              <a:ext uri="{FF2B5EF4-FFF2-40B4-BE49-F238E27FC236}">
+                <a16:creationId xmlns:a16="http://schemas.microsoft.com/office/drawing/2014/main" id="{54EDD4C6-6F41-4309-BA6A-CD9F68FA8DC6}"/>
+              </a:ext>
+            </a:extLst>
+          </p:cNvPr>
+          <p:cNvSpPr txBox="1"/>
+          <p:nvPr/>
+        </p:nvSpPr>
+        <p:spPr>
+          <a:xfrm>
+            <a:off x="5360565" y="1010735"/>
+            <a:ext cx="6385543" cy="2554545"/>
+          </a:xfrm>
+          <a:prstGeom prst="rect">
+            <a:avLst/>
+          </a:prstGeom>
+          <a:noFill/>
+        </p:spPr>
+        <p:txBody>
+          <a:bodyPr wrap="square" rtlCol="0">
+            <a:spAutoFit/>
+          </a:bodyPr>
+          <a:lstStyle/>
+          <a:p>
+            <a:pPr marL="342900" indent="-342900">
+              <a:buAutoNum type="arabicPeriod"/>
+            </a:pPr>
+            <a:r>
+              <a:rPr lang="en-IE" sz="3200" dirty="0">
+                <a:latin typeface="Segoe UI" panose="020B0502040204020203" pitchFamily="34" charset="0"/>
+                <a:cs typeface="Segoe UI" panose="020B0502040204020203" pitchFamily="34" charset="0"/>
+              </a:rPr>
+              <a:t>Email </a:t>
+            </a:r>
+            <a:r>
+              <a:rPr lang="en-IE" sz="3200" b="1" dirty="0">
+                <a:latin typeface="Segoe UI" panose="020B0502040204020203" pitchFamily="34" charset="0"/>
+                <a:cs typeface="Segoe UI" panose="020B0502040204020203" pitchFamily="34" charset="0"/>
+              </a:rPr>
+              <a:t>hello@datalineo.com</a:t>
+            </a:r>
+          </a:p>
+          <a:p>
+            <a:pPr marL="342900" indent="-342900">
+              <a:buAutoNum type="arabicPeriod"/>
+            </a:pPr>
+            <a:r>
+              <a:rPr lang="en-IE" sz="3200" dirty="0">
+                <a:latin typeface="Segoe UI" panose="020B0502040204020203" pitchFamily="34" charset="0"/>
+                <a:cs typeface="Segoe UI" panose="020B0502040204020203" pitchFamily="34" charset="0"/>
+              </a:rPr>
+              <a:t>Subject: </a:t>
+            </a:r>
+            <a:r>
+              <a:rPr lang="en-IE" sz="3200" b="1" dirty="0" err="1">
+                <a:latin typeface="Segoe UI" panose="020B0502040204020203" pitchFamily="34" charset="0"/>
+                <a:cs typeface="Segoe UI" panose="020B0502040204020203" pitchFamily="34" charset="0"/>
+              </a:rPr>
+              <a:t>FaceMe</a:t>
+            </a:r>
+            <a:endParaRPr lang="en-IE" sz="3200" b="1" dirty="0">
+              <a:latin typeface="Segoe UI" panose="020B0502040204020203" pitchFamily="34" charset="0"/>
+              <a:cs typeface="Segoe UI" panose="020B0502040204020203" pitchFamily="34" charset="0"/>
+            </a:endParaRPr>
+          </a:p>
+          <a:p>
+            <a:pPr marL="342900" indent="-342900">
+              <a:buAutoNum type="arabicPeriod"/>
+            </a:pPr>
+            <a:r>
+              <a:rPr lang="en-IE" sz="3200" dirty="0">
+                <a:latin typeface="Segoe UI" panose="020B0502040204020203" pitchFamily="34" charset="0"/>
+                <a:cs typeface="Segoe UI" panose="020B0502040204020203" pitchFamily="34" charset="0"/>
+              </a:rPr>
+              <a:t>Add some pictures to be analysed (as inline pics, not as attachment)</a:t>
+            </a:r>
+          </a:p>
+        </p:txBody>
+      </p:sp>
+      <p:pic>
+        <p:nvPicPr>
+          <p:cNvPr id="4" name="Picture 3">
+            <a:extLst>
+              <a:ext uri="{FF2B5EF4-FFF2-40B4-BE49-F238E27FC236}">
+                <a16:creationId xmlns:a16="http://schemas.microsoft.com/office/drawing/2014/main" id="{6C69757E-E2B7-4B47-88B6-B66DE4F6832D}"/>
+              </a:ext>
+            </a:extLst>
+          </p:cNvPr>
+          <p:cNvPicPr>
+            <a:picLocks noChangeAspect="1"/>
+          </p:cNvPicPr>
+          <p:nvPr/>
+        </p:nvPicPr>
+        <p:blipFill>
+          <a:blip r:embed="rId3"/>
+          <a:stretch>
+            <a:fillRect/>
+          </a:stretch>
+        </p:blipFill>
+        <p:spPr>
+          <a:xfrm>
+            <a:off x="318781" y="1190001"/>
+            <a:ext cx="4639113" cy="3391805"/>
+          </a:xfrm>
+          <a:prstGeom prst="rect">
+            <a:avLst/>
+          </a:prstGeom>
+        </p:spPr>
+      </p:pic>
+      <p:sp>
+        <p:nvSpPr>
+          <p:cNvPr id="7" name="TextBox 6">
+            <a:extLst>
+              <a:ext uri="{FF2B5EF4-FFF2-40B4-BE49-F238E27FC236}">
+                <a16:creationId xmlns:a16="http://schemas.microsoft.com/office/drawing/2014/main" id="{C378D1C9-6853-4E40-9C04-7172CE271B60}"/>
+              </a:ext>
+            </a:extLst>
+          </p:cNvPr>
+          <p:cNvSpPr txBox="1"/>
+          <p:nvPr/>
+        </p:nvSpPr>
+        <p:spPr>
+          <a:xfrm>
+            <a:off x="5567494" y="3775915"/>
+            <a:ext cx="5182701" cy="1815882"/>
+          </a:xfrm>
+          <a:prstGeom prst="rect">
+            <a:avLst/>
+          </a:prstGeom>
+          <a:noFill/>
+        </p:spPr>
+        <p:txBody>
+          <a:bodyPr wrap="none" rtlCol="0">
+            <a:spAutoFit/>
+          </a:bodyPr>
+          <a:lstStyle/>
+          <a:p>
+            <a:pPr marL="285750" indent="-285750">
+              <a:buFont typeface="Wingdings" panose="05000000000000000000" pitchFamily="2" charset="2"/>
+              <a:buChar char="ü"/>
+            </a:pPr>
+            <a:r>
+              <a:rPr lang="en-IE" sz="2800" dirty="0">
+                <a:solidFill>
+                  <a:schemeClr val="accent1"/>
+                </a:solidFill>
+                <a:latin typeface="Segoe UI" panose="020B0502040204020203" pitchFamily="34" charset="0"/>
+                <a:cs typeface="Segoe UI" panose="020B0502040204020203" pitchFamily="34" charset="0"/>
+              </a:rPr>
+              <a:t>Selfies</a:t>
+            </a:r>
+          </a:p>
+          <a:p>
+            <a:pPr marL="285750" indent="-285750">
+              <a:buFont typeface="Wingdings" panose="05000000000000000000" pitchFamily="2" charset="2"/>
+              <a:buChar char="ü"/>
+            </a:pPr>
+            <a:r>
+              <a:rPr lang="en-IE" sz="2800" dirty="0">
+                <a:solidFill>
+                  <a:schemeClr val="accent1"/>
+                </a:solidFill>
+                <a:latin typeface="Segoe UI" panose="020B0502040204020203" pitchFamily="34" charset="0"/>
+                <a:cs typeface="Segoe UI" panose="020B0502040204020203" pitchFamily="34" charset="0"/>
+              </a:rPr>
+              <a:t>You &amp; Friend</a:t>
+            </a:r>
+          </a:p>
+          <a:p>
+            <a:pPr marL="285750" indent="-285750">
+              <a:buFont typeface="Wingdings" panose="05000000000000000000" pitchFamily="2" charset="2"/>
+              <a:buChar char="ü"/>
+            </a:pPr>
+            <a:r>
+              <a:rPr lang="en-IE" sz="2800" dirty="0">
+                <a:solidFill>
+                  <a:schemeClr val="accent1"/>
+                </a:solidFill>
+                <a:latin typeface="Segoe UI" panose="020B0502040204020203" pitchFamily="34" charset="0"/>
+                <a:cs typeface="Segoe UI" panose="020B0502040204020203" pitchFamily="34" charset="0"/>
+              </a:rPr>
+              <a:t>Random objects</a:t>
+            </a:r>
+          </a:p>
+          <a:p>
+            <a:pPr marL="285750" indent="-285750">
+              <a:buFont typeface="Wingdings" panose="05000000000000000000" pitchFamily="2" charset="2"/>
+              <a:buChar char="ü"/>
+            </a:pPr>
+            <a:r>
+              <a:rPr lang="en-IE" sz="2800" dirty="0">
+                <a:solidFill>
+                  <a:schemeClr val="accent1"/>
+                </a:solidFill>
+                <a:latin typeface="Segoe UI" panose="020B0502040204020203" pitchFamily="34" charset="0"/>
+                <a:cs typeface="Segoe UI" panose="020B0502040204020203" pitchFamily="34" charset="0"/>
+              </a:rPr>
+              <a:t>New Pics or from your Gallery</a:t>
+            </a:r>
+          </a:p>
+        </p:txBody>
+      </p:sp>
+      <p:sp>
+        <p:nvSpPr>
+          <p:cNvPr id="8" name="TextBox 7">
+            <a:extLst>
+              <a:ext uri="{FF2B5EF4-FFF2-40B4-BE49-F238E27FC236}">
+                <a16:creationId xmlns:a16="http://schemas.microsoft.com/office/drawing/2014/main" id="{263F3E99-C043-4676-BB01-0F4CD67592E2}"/>
+              </a:ext>
+            </a:extLst>
+          </p:cNvPr>
+          <p:cNvSpPr txBox="1"/>
+          <p:nvPr/>
+        </p:nvSpPr>
+        <p:spPr>
+          <a:xfrm>
+            <a:off x="898704" y="4816389"/>
+            <a:ext cx="3702937" cy="646331"/>
+          </a:xfrm>
+          <a:prstGeom prst="rect">
+            <a:avLst/>
+          </a:prstGeom>
+          <a:solidFill>
+            <a:schemeClr val="accent6"/>
+          </a:solidFill>
+        </p:spPr>
+        <p:txBody>
+          <a:bodyPr wrap="none" rtlCol="0">
+            <a:spAutoFit/>
+          </a:bodyPr>
+          <a:lstStyle/>
+          <a:p>
+            <a:pPr algn="ctr"/>
+            <a:r>
+              <a:rPr lang="en-IE" dirty="0">
+                <a:solidFill>
+                  <a:schemeClr val="bg1"/>
+                </a:solidFill>
+              </a:rPr>
+              <a:t>No photos or analysis data is retained</a:t>
+            </a:r>
+          </a:p>
+          <a:p>
+            <a:pPr algn="ctr"/>
+            <a:r>
+              <a:rPr lang="en-IE" dirty="0">
+                <a:solidFill>
+                  <a:schemeClr val="bg1"/>
+                </a:solidFill>
+              </a:rPr>
+              <a:t>Will be removed TODAY</a:t>
+            </a:r>
+          </a:p>
+        </p:txBody>
+      </p:sp>
+      <p:sp>
+        <p:nvSpPr>
+          <p:cNvPr id="9" name="TextBox 8">
+            <a:extLst>
+              <a:ext uri="{FF2B5EF4-FFF2-40B4-BE49-F238E27FC236}">
+                <a16:creationId xmlns:a16="http://schemas.microsoft.com/office/drawing/2014/main" id="{EEB0772A-2625-4D56-AEE9-87B1F268EDE5}"/>
+              </a:ext>
+            </a:extLst>
+          </p:cNvPr>
+          <p:cNvSpPr txBox="1"/>
+          <p:nvPr/>
+        </p:nvSpPr>
+        <p:spPr>
+          <a:xfrm>
+            <a:off x="3012472" y="5697304"/>
+            <a:ext cx="1513171" cy="369332"/>
+          </a:xfrm>
+          <a:prstGeom prst="rect">
+            <a:avLst/>
+          </a:prstGeom>
+          <a:solidFill>
+            <a:schemeClr val="accent2"/>
+          </a:solidFill>
+        </p:spPr>
+        <p:txBody>
+          <a:bodyPr wrap="none" rtlCol="0">
+            <a:spAutoFit/>
+          </a:bodyPr>
+          <a:lstStyle/>
+          <a:p>
+            <a:r>
+              <a:rPr lang="en-IE" dirty="0">
+                <a:solidFill>
+                  <a:schemeClr val="bg1"/>
+                </a:solidFill>
+              </a:rPr>
+              <a:t>Prize on offer!</a:t>
+            </a:r>
+          </a:p>
+        </p:txBody>
+      </p:sp>
+    </p:spTree>
+    <p:extLst>
+      <p:ext uri="{BB962C8B-B14F-4D97-AF65-F5344CB8AC3E}">
+        <p14:creationId xmlns:p14="http://schemas.microsoft.com/office/powerpoint/2010/main" val="456523160"/>
+      </p:ext>
+    </p:extLst>
+  </p:cSld>
+  <p:clrMapOvr>
+    <a:masterClrMapping/>
+  </p:clrMapOvr>
+</p:sld>
+</file>
+
+<file path=ppt/slides/slide4.xml><?xml version="1.0" encoding="utf-8"?>
+<p:sld xmlns:a="http://schemas.openxmlformats.org/drawingml/2006/main" xmlns:r="http://schemas.openxmlformats.org/officeDocument/2006/relationships" xmlns:p="http://schemas.openxmlformats.org/presentationml/2006/main">
+  <p:cSld>
+    <p:spTree>
+      <p:nvGrpSpPr>
+        <p:cNvPr id="1" name=""/>
+        <p:cNvGrpSpPr/>
+        <p:nvPr/>
+      </p:nvGrpSpPr>
+      <p:grpSpPr>
+        <a:xfrm>
+          <a:off x="0" y="0"/>
+          <a:ext cx="0" cy="0"/>
+          <a:chOff x="0" y="0"/>
+          <a:chExt cx="0" cy="0"/>
+        </a:xfrm>
+      </p:grpSpPr>
+      <p:sp>
+        <p:nvSpPr>
           <p:cNvPr id="84" name="Rectangle 83">
             <a:extLst>
               <a:ext uri="{FF2B5EF4-FFF2-40B4-BE49-F238E27FC236}">
@@ -7917,7 +8382,7 @@
 </p:sld>
 </file>
 
-<file path=ppt/slides/slide4.xml><?xml version="1.0" encoding="utf-8"?>
+<file path=ppt/slides/slide5.xml><?xml version="1.0" encoding="utf-8"?>
 <p:sld xmlns:a="http://schemas.openxmlformats.org/drawingml/2006/main" xmlns:r="http://schemas.openxmlformats.org/officeDocument/2006/relationships" xmlns:p="http://schemas.openxmlformats.org/presentationml/2006/main">
   <p:cSld>
     <p:spTree>
